--- a/otel teoria/Day 1 session 3.4 Propagacja Kontekstu.pptx
+++ b/otel teoria/Day 1 session 3.4 Propagacja Kontekstu.pptx
@@ -210,7 +210,7 @@
           <a:p>
             <a:fld id="{B6182559-CB5C-D240-A660-003CD22EEEA2}" type="datetimeFigureOut">
               <a:rPr lang="pl-PL" smtClean="0"/>
-              <a:t>1.10.2024</a:t>
+              <a:t>2.10.2024</a:t>
             </a:fld>
             <a:endParaRPr lang="pl-PL"/>
           </a:p>
@@ -657,7 +657,7 @@
           <a:p>
             <a:fld id="{5BCAD085-E8A6-8845-BD4E-CB4CCA059FC4}" type="datetimeFigureOut">
               <a:rPr lang="en-US" smtClean="0"/>
-              <a:t>10/1/24</a:t>
+              <a:t>10/2/24</a:t>
             </a:fld>
             <a:endParaRPr lang="en-US"/>
           </a:p>
@@ -825,7 +825,7 @@
           <a:p>
             <a:fld id="{5BCAD085-E8A6-8845-BD4E-CB4CCA059FC4}" type="datetimeFigureOut">
               <a:rPr lang="en-US" smtClean="0"/>
-              <a:t>10/1/24</a:t>
+              <a:t>10/2/24</a:t>
             </a:fld>
             <a:endParaRPr lang="en-US"/>
           </a:p>
@@ -1003,7 +1003,7 @@
           <a:p>
             <a:fld id="{5BCAD085-E8A6-8845-BD4E-CB4CCA059FC4}" type="datetimeFigureOut">
               <a:rPr lang="en-US" smtClean="0"/>
-              <a:t>10/1/24</a:t>
+              <a:t>10/2/24</a:t>
             </a:fld>
             <a:endParaRPr lang="en-US"/>
           </a:p>
@@ -1171,7 +1171,7 @@
           <a:p>
             <a:fld id="{5BCAD085-E8A6-8845-BD4E-CB4CCA059FC4}" type="datetimeFigureOut">
               <a:rPr lang="en-US" smtClean="0"/>
-              <a:t>10/1/24</a:t>
+              <a:t>10/2/24</a:t>
             </a:fld>
             <a:endParaRPr lang="en-US"/>
           </a:p>
@@ -1416,7 +1416,7 @@
           <a:p>
             <a:fld id="{5BCAD085-E8A6-8845-BD4E-CB4CCA059FC4}" type="datetimeFigureOut">
               <a:rPr lang="en-US" smtClean="0"/>
-              <a:t>10/1/24</a:t>
+              <a:t>10/2/24</a:t>
             </a:fld>
             <a:endParaRPr lang="en-US"/>
           </a:p>
@@ -1701,7 +1701,7 @@
           <a:p>
             <a:fld id="{5BCAD085-E8A6-8845-BD4E-CB4CCA059FC4}" type="datetimeFigureOut">
               <a:rPr lang="en-US" smtClean="0"/>
-              <a:t>10/1/24</a:t>
+              <a:t>10/2/24</a:t>
             </a:fld>
             <a:endParaRPr lang="en-US"/>
           </a:p>
@@ -2120,7 +2120,7 @@
           <a:p>
             <a:fld id="{5BCAD085-E8A6-8845-BD4E-CB4CCA059FC4}" type="datetimeFigureOut">
               <a:rPr lang="en-US" smtClean="0"/>
-              <a:t>10/1/24</a:t>
+              <a:t>10/2/24</a:t>
             </a:fld>
             <a:endParaRPr lang="en-US"/>
           </a:p>
@@ -2237,7 +2237,7 @@
           <a:p>
             <a:fld id="{5BCAD085-E8A6-8845-BD4E-CB4CCA059FC4}" type="datetimeFigureOut">
               <a:rPr lang="en-US" smtClean="0"/>
-              <a:t>10/1/24</a:t>
+              <a:t>10/2/24</a:t>
             </a:fld>
             <a:endParaRPr lang="en-US"/>
           </a:p>
@@ -2332,7 +2332,7 @@
           <a:p>
             <a:fld id="{5BCAD085-E8A6-8845-BD4E-CB4CCA059FC4}" type="datetimeFigureOut">
               <a:rPr lang="en-US" smtClean="0"/>
-              <a:t>10/1/24</a:t>
+              <a:t>10/2/24</a:t>
             </a:fld>
             <a:endParaRPr lang="en-US"/>
           </a:p>
@@ -2607,7 +2607,7 @@
           <a:p>
             <a:fld id="{5BCAD085-E8A6-8845-BD4E-CB4CCA059FC4}" type="datetimeFigureOut">
               <a:rPr lang="en-US" smtClean="0"/>
-              <a:t>10/1/24</a:t>
+              <a:t>10/2/24</a:t>
             </a:fld>
             <a:endParaRPr lang="en-US"/>
           </a:p>
@@ -2859,7 +2859,7 @@
           <a:p>
             <a:fld id="{5BCAD085-E8A6-8845-BD4E-CB4CCA059FC4}" type="datetimeFigureOut">
               <a:rPr lang="en-US" smtClean="0"/>
-              <a:t>10/1/24</a:t>
+              <a:t>10/2/24</a:t>
             </a:fld>
             <a:endParaRPr lang="en-US"/>
           </a:p>
@@ -3070,7 +3070,7 @@
           <a:p>
             <a:fld id="{5BCAD085-E8A6-8845-BD4E-CB4CCA059FC4}" type="datetimeFigureOut">
               <a:rPr lang="en-US" smtClean="0"/>
-              <a:t>10/1/24</a:t>
+              <a:t>10/2/24</a:t>
             </a:fld>
             <a:endParaRPr lang="en-US"/>
           </a:p>
@@ -3447,7 +3447,40 @@
       </p:grpSpPr>
       <p:sp>
         <p:nvSpPr>
-          <p:cNvPr id="2" name="Title 1"/>
+          <p:cNvPr id="3" name="Subtitle 2"/>
+          <p:cNvSpPr>
+            <a:spLocks noGrp="1"/>
+          </p:cNvSpPr>
+          <p:nvPr>
+            <p:ph type="subTitle" idx="1"/>
+          </p:nvPr>
+        </p:nvSpPr>
+        <p:spPr>
+          <a:xfrm>
+            <a:off x="1371600" y="5105400"/>
+            <a:ext cx="6400800" cy="1752600"/>
+          </a:xfrm>
+        </p:spPr>
+        <p:txBody>
+          <a:bodyPr/>
+          <a:lstStyle/>
+          <a:p>
+            <a:r>
+              <a:rPr lang="pl-PL" noProof="0" dirty="0"/>
+              <a:t>Propagacja Kontekstu</a:t>
+            </a:r>
+          </a:p>
+        </p:txBody>
+      </p:sp>
+      <p:sp>
+        <p:nvSpPr>
+          <p:cNvPr id="7" name="Title 1">
+            <a:extLst>
+              <a:ext uri="{FF2B5EF4-FFF2-40B4-BE49-F238E27FC236}">
+                <a16:creationId xmlns:a16="http://schemas.microsoft.com/office/drawing/2014/main" id="{4FEB6C26-F155-8917-C36E-7C59A5DA8660}"/>
+              </a:ext>
+            </a:extLst>
+          </p:cNvPr>
           <p:cNvSpPr>
             <a:spLocks noGrp="1"/>
           </p:cNvSpPr>
@@ -3455,46 +3488,62 @@
             <p:ph type="ctrTitle"/>
           </p:nvPr>
         </p:nvSpPr>
-        <p:spPr/>
-        <p:txBody>
-          <a:bodyPr/>
-          <a:lstStyle/>
-          <a:p>
-            <a:r>
-              <a:rPr dirty="0" err="1"/>
+        <p:spPr>
+          <a:prstGeom prst="rect">
+            <a:avLst/>
+          </a:prstGeom>
+        </p:spPr>
+        <p:txBody>
+          <a:bodyPr vert="horz" lIns="91440" tIns="45720" rIns="91440" bIns="45720" rtlCol="0" anchor="ctr">
+            <a:normAutofit fontScale="90000"/>
+          </a:bodyPr>
+          <a:lstStyle>
+            <a:lvl1pPr algn="ctr" defTabSz="457200" rtl="0" eaLnBrk="1" latinLnBrk="0" hangingPunct="1">
+              <a:spcBef>
+                <a:spcPct val="0"/>
+              </a:spcBef>
+              <a:buNone/>
+              <a:defRPr sz="4400" kern="1200">
+                <a:solidFill>
+                  <a:schemeClr val="tx1"/>
+                </a:solidFill>
+                <a:latin typeface="+mj-lt"/>
+                <a:ea typeface="+mj-ea"/>
+                <a:cs typeface="+mj-cs"/>
+              </a:defRPr>
+            </a:lvl1pPr>
+          </a:lstStyle>
+          <a:p>
+            <a:r>
+              <a:rPr lang="en-GB" dirty="0" err="1"/>
               <a:t>Szkolenie</a:t>
             </a:r>
             <a:r>
-              <a:rPr dirty="0"/>
+              <a:rPr lang="en-GB" dirty="0"/>
               <a:t> </a:t>
             </a:r>
-            <a:r>
-              <a:rPr dirty="0" err="1"/>
+            <a:br>
+              <a:rPr lang="en-GB" dirty="0"/>
+            </a:br>
+            <a:br>
+              <a:rPr lang="en-GB" dirty="0"/>
+            </a:br>
+            <a:r>
+              <a:rPr lang="en-GB" dirty="0" err="1"/>
+              <a:t>Instrumentacja</a:t>
+            </a:r>
+            <a:r>
+              <a:rPr lang="en-GB" dirty="0"/>
+              <a:t> </a:t>
+            </a:r>
+            <a:br>
+              <a:rPr lang="en-GB" dirty="0"/>
+            </a:br>
+            <a:r>
+              <a:rPr lang="en-GB" dirty="0"/>
               <a:t>OpenTelemetry</a:t>
             </a:r>
             <a:endParaRPr dirty="0"/>
-          </a:p>
-        </p:txBody>
-      </p:sp>
-      <p:sp>
-        <p:nvSpPr>
-          <p:cNvPr id="3" name="Subtitle 2"/>
-          <p:cNvSpPr>
-            <a:spLocks noGrp="1"/>
-          </p:cNvSpPr>
-          <p:nvPr>
-            <p:ph type="subTitle" idx="1"/>
-          </p:nvPr>
-        </p:nvSpPr>
-        <p:spPr/>
-        <p:txBody>
-          <a:bodyPr/>
-          <a:lstStyle/>
-          <a:p>
-            <a:r>
-              <a:rPr lang="pl-PL" noProof="0" dirty="0"/>
-              <a:t>Propagacja Kontekstów</a:t>
-            </a:r>
           </a:p>
         </p:txBody>
       </p:sp>
@@ -3603,11 +3652,7 @@
           <a:p>
             <a:pPr marL="571500" lvl="1" indent="-171450"/>
             <a:r>
-              <a:rPr lang="pl-PL" sz="1400" dirty="0">
-                <a:highlight>
-                  <a:srgbClr val="00FF00"/>
-                </a:highlight>
-              </a:rPr>
+              <a:rPr lang="pl-PL" sz="1400" dirty="0"/>
               <a:t>Sesja 3: Instrumentacja z OpenTelemetry</a:t>
             </a:r>
           </a:p>
